--- a/Design Fair/Design_Fair_Poster.pptx
+++ b/Design Fair/Design_Fair_Poster.pptx
@@ -257,7 +257,7 @@
             <a:fld id="{0158C5BC-9A70-462C-B28D-9600239EAC64}" type="datetimeFigureOut">
               <a:rPr lang="en-US" smtClean="0"/>
               <a:pPr/>
-              <a:t>4/4/2016</a:t>
+              <a:t>4/5/2016</a:t>
             </a:fld>
             <a:endParaRPr lang="en-US"/>
           </a:p>
@@ -424,7 +424,7 @@
             <a:fld id="{E6CC2317-6751-4CD4-9995-8782DD78E936}" type="datetimeFigureOut">
               <a:rPr lang="en-US" smtClean="0"/>
               <a:pPr/>
-              <a:t>4/4/2016</a:t>
+              <a:t>4/5/2016</a:t>
             </a:fld>
             <a:endParaRPr lang="en-US" dirty="0"/>
           </a:p>
@@ -5451,7 +5451,7 @@
               <a:graphicData uri="http://schemas.openxmlformats.org/presentationml/2006/ole">
                 <mc:AlternateContent xmlns:mc="http://schemas.openxmlformats.org/markup-compatibility/2006">
                   <mc:Choice xmlns:v="urn:schemas-microsoft-com:vml" Requires="v">
-                    <p:oleObj spid="_x0000_s1090" name="Image" r:id="rId8" imgW="1828440" imgH="1117440" progId="Photoshop.Image.13">
+                    <p:oleObj spid="_x0000_s1122" name="Image" r:id="rId8" imgW="1828440" imgH="1117440" progId="Photoshop.Image.13">
                       <p:embed/>
                     </p:oleObj>
                   </mc:Choice>
@@ -5508,7 +5508,7 @@
               <a:graphicData uri="http://schemas.openxmlformats.org/presentationml/2006/ole">
                 <mc:AlternateContent xmlns:mc="http://schemas.openxmlformats.org/markup-compatibility/2006">
                   <mc:Choice xmlns:v="urn:schemas-microsoft-com:vml" Requires="v">
-                    <p:oleObj spid="_x0000_s1091" name="Image" r:id="rId10" imgW="1828440" imgH="1117440" progId="Photoshop.Image.13">
+                    <p:oleObj spid="_x0000_s1123" name="Image" r:id="rId10" imgW="1828440" imgH="1117440" progId="Photoshop.Image.13">
                       <p:embed/>
                     </p:oleObj>
                   </mc:Choice>
@@ -6636,7 +6636,7 @@
             <a:graphicData uri="http://schemas.openxmlformats.org/presentationml/2006/ole">
               <mc:AlternateContent xmlns:mc="http://schemas.openxmlformats.org/markup-compatibility/2006">
                 <mc:Choice xmlns:v="urn:schemas-microsoft-com:vml" Requires="v">
-                  <p:oleObj spid="_x0000_s1092" name="Image" r:id="rId12" imgW="4571280" imgH="1688760" progId="Photoshop.Image.13">
+                  <p:oleObj spid="_x0000_s1124" name="Image" r:id="rId12" imgW="4571280" imgH="1688760" progId="Photoshop.Image.13">
                     <p:embed/>
                   </p:oleObj>
                 </mc:Choice>
@@ -6720,7 +6720,7 @@
             <a:graphicData uri="http://schemas.openxmlformats.org/presentationml/2006/ole">
               <mc:AlternateContent xmlns:mc="http://schemas.openxmlformats.org/markup-compatibility/2006">
                 <mc:Choice xmlns:v="urn:schemas-microsoft-com:vml" Requires="v">
-                  <p:oleObj spid="_x0000_s1093" name="Image" r:id="rId15" imgW="1574280" imgH="1053720" progId="Photoshop.Image.13">
+                  <p:oleObj spid="_x0000_s1125" name="Image" r:id="rId15" imgW="1574280" imgH="1053720" progId="Photoshop.Image.13">
                     <p:embed/>
                   </p:oleObj>
                 </mc:Choice>
@@ -8717,7 +8717,7 @@
             <a:graphicData uri="http://schemas.openxmlformats.org/presentationml/2006/ole">
               <mc:AlternateContent xmlns:mc="http://schemas.openxmlformats.org/markup-compatibility/2006">
                 <mc:Choice xmlns:v="urn:schemas-microsoft-com:vml" Requires="v">
-                  <p:oleObj spid="_x0000_s2114" name="Image" r:id="rId4" imgW="4571280" imgH="1688760" progId="Photoshop.Image.13">
+                  <p:oleObj spid="_x0000_s2150" name="Image" r:id="rId4" imgW="4571280" imgH="1688760" progId="Photoshop.Image.13">
                     <p:embed/>
                   </p:oleObj>
                 </mc:Choice>
@@ -8801,7 +8801,7 @@
             <a:graphicData uri="http://schemas.openxmlformats.org/presentationml/2006/ole">
               <mc:AlternateContent xmlns:mc="http://schemas.openxmlformats.org/markup-compatibility/2006">
                 <mc:Choice xmlns:v="urn:schemas-microsoft-com:vml" Requires="v">
-                  <p:oleObj spid="_x0000_s2115" name="Image" r:id="rId7" imgW="1574280" imgH="1053720" progId="Photoshop.Image.13">
+                  <p:oleObj spid="_x0000_s2151" name="Image" r:id="rId7" imgW="1574280" imgH="1053720" progId="Photoshop.Image.13">
                     <p:embed/>
                   </p:oleObj>
                 </mc:Choice>
@@ -10341,7 +10341,7 @@
               <a:graphicData uri="http://schemas.openxmlformats.org/presentationml/2006/ole">
                 <mc:AlternateContent xmlns:mc="http://schemas.openxmlformats.org/markup-compatibility/2006">
                   <mc:Choice xmlns:v="urn:schemas-microsoft-com:vml" Requires="v">
-                    <p:oleObj spid="_x0000_s2116" name="Image" r:id="rId15" imgW="1828440" imgH="1117440" progId="Photoshop.Image.13">
+                    <p:oleObj spid="_x0000_s2152" name="Image" r:id="rId15" imgW="1828440" imgH="1117440" progId="Photoshop.Image.13">
                       <p:embed/>
                     </p:oleObj>
                   </mc:Choice>
@@ -10398,7 +10398,7 @@
               <a:graphicData uri="http://schemas.openxmlformats.org/presentationml/2006/ole">
                 <mc:AlternateContent xmlns:mc="http://schemas.openxmlformats.org/markup-compatibility/2006">
                   <mc:Choice xmlns:v="urn:schemas-microsoft-com:vml" Requires="v">
-                    <p:oleObj spid="_x0000_s2117" name="Image" r:id="rId17" imgW="1828440" imgH="1117440" progId="Photoshop.Image.13">
+                    <p:oleObj spid="_x0000_s2153" name="Image" r:id="rId17" imgW="1828440" imgH="1117440" progId="Photoshop.Image.13">
                       <p:embed/>
                     </p:oleObj>
                   </mc:Choice>
@@ -12226,7 +12226,7 @@
             <a:graphicData uri="http://schemas.openxmlformats.org/presentationml/2006/ole">
               <mc:AlternateContent xmlns:mc="http://schemas.openxmlformats.org/markup-compatibility/2006">
                 <mc:Choice xmlns:v="urn:schemas-microsoft-com:vml" Requires="v">
-                  <p:oleObj spid="_x0000_s3138" name="Image" r:id="rId4" imgW="4571280" imgH="1688760" progId="Photoshop.Image.13">
+                  <p:oleObj spid="_x0000_s3170" name="Image" r:id="rId4" imgW="4571280" imgH="1688760" progId="Photoshop.Image.13">
                     <p:embed/>
                   </p:oleObj>
                 </mc:Choice>
@@ -12310,7 +12310,7 @@
             <a:graphicData uri="http://schemas.openxmlformats.org/presentationml/2006/ole">
               <mc:AlternateContent xmlns:mc="http://schemas.openxmlformats.org/markup-compatibility/2006">
                 <mc:Choice xmlns:v="urn:schemas-microsoft-com:vml" Requires="v">
-                  <p:oleObj spid="_x0000_s3139" name="Image" r:id="rId7" imgW="1574280" imgH="1053720" progId="Photoshop.Image.13">
+                  <p:oleObj spid="_x0000_s3171" name="Image" r:id="rId7" imgW="1574280" imgH="1053720" progId="Photoshop.Image.13">
                     <p:embed/>
                   </p:oleObj>
                 </mc:Choice>
@@ -13850,7 +13850,7 @@
               <a:graphicData uri="http://schemas.openxmlformats.org/presentationml/2006/ole">
                 <mc:AlternateContent xmlns:mc="http://schemas.openxmlformats.org/markup-compatibility/2006">
                   <mc:Choice xmlns:v="urn:schemas-microsoft-com:vml" Requires="v">
-                    <p:oleObj spid="_x0000_s3140" name="Image" r:id="rId15" imgW="1828440" imgH="1117440" progId="Photoshop.Image.13">
+                    <p:oleObj spid="_x0000_s3172" name="Image" r:id="rId15" imgW="1828440" imgH="1117440" progId="Photoshop.Image.13">
                       <p:embed/>
                     </p:oleObj>
                   </mc:Choice>
@@ -13907,7 +13907,7 @@
               <a:graphicData uri="http://schemas.openxmlformats.org/presentationml/2006/ole">
                 <mc:AlternateContent xmlns:mc="http://schemas.openxmlformats.org/markup-compatibility/2006">
                   <mc:Choice xmlns:v="urn:schemas-microsoft-com:vml" Requires="v">
-                    <p:oleObj spid="_x0000_s3141" name="Image" r:id="rId17" imgW="1828440" imgH="1117440" progId="Photoshop.Image.13">
+                    <p:oleObj spid="_x0000_s3173" name="Image" r:id="rId17" imgW="1828440" imgH="1117440" progId="Photoshop.Image.13">
                       <p:embed/>
                     </p:oleObj>
                   </mc:Choice>
@@ -14445,12 +14445,29 @@
             <p:ph type="body" sz="quarter" idx="10"/>
           </p:nvPr>
         </p:nvSpPr>
-        <p:spPr/>
+        <p:spPr>
+          <a:xfrm>
+            <a:off x="1026799" y="7484908"/>
+            <a:ext cx="13591277" cy="3231632"/>
+          </a:xfrm>
+        </p:spPr>
         <p:txBody>
           <a:bodyPr/>
           <a:lstStyle/>
           <a:p>
-            <a:endParaRPr lang="en-US"/>
+            <a:r>
+              <a:rPr lang="en-US" sz="6000" dirty="0" smtClean="0"/>
+              <a:t>The User Interface was created using </a:t>
+            </a:r>
+            <a:r>
+              <a:rPr lang="en-US" sz="6000" dirty="0" err="1" smtClean="0"/>
+              <a:t>PyQt</a:t>
+            </a:r>
+            <a:r>
+              <a:rPr lang="en-US" sz="6000" dirty="0" smtClean="0"/>
+              <a:t> 4. The overall goal was to create a simple yet effective user experience.  </a:t>
+            </a:r>
+            <a:endParaRPr lang="en-US" sz="6000" dirty="0"/>
           </a:p>
         </p:txBody>
       </p:sp>
@@ -14464,16 +14481,21 @@
             <p:ph type="body" sz="quarter" idx="11"/>
           </p:nvPr>
         </p:nvSpPr>
-        <p:spPr/>
+        <p:spPr>
+          <a:xfrm>
+            <a:off x="901703" y="5464360"/>
+            <a:ext cx="13573126" cy="1661985"/>
+          </a:xfrm>
+        </p:spPr>
         <p:txBody>
           <a:bodyPr/>
           <a:lstStyle/>
           <a:p>
             <a:r>
-              <a:rPr lang="en-US" dirty="0" smtClean="0"/>
+              <a:rPr lang="en-US" sz="9600" dirty="0" smtClean="0"/>
               <a:t>User Interface</a:t>
             </a:r>
-            <a:endParaRPr lang="en-US" dirty="0"/>
+            <a:endParaRPr lang="en-US" sz="9600" dirty="0"/>
           </a:p>
         </p:txBody>
       </p:sp>
@@ -14489,8 +14511,8 @@
         </p:nvSpPr>
         <p:spPr>
           <a:xfrm>
-            <a:off x="15162218" y="17406149"/>
-            <a:ext cx="13571534" cy="6001621"/>
+            <a:off x="15296382" y="7484908"/>
+            <a:ext cx="13571534" cy="7571281"/>
           </a:xfrm>
         </p:spPr>
         <p:txBody>
@@ -14498,78 +14520,74 @@
           <a:lstStyle/>
           <a:p>
             <a:r>
-              <a:rPr lang="en-US" sz="3600" dirty="0"/>
-              <a:t>The </a:t>
+              <a:rPr lang="en-US" sz="6600" dirty="0" smtClean="0"/>
+              <a:t>Our goal is to </a:t>
             </a:r>
             <a:r>
-              <a:rPr lang="en-US" sz="3600" dirty="0" err="1"/>
-              <a:t>DanceSoft</a:t>
+              <a:rPr lang="en-US" sz="6600" dirty="0"/>
+              <a:t>produce a simple and </a:t>
             </a:r>
             <a:r>
-              <a:rPr lang="en-US" sz="3600" dirty="0"/>
-              <a:t> project is a data management software for the Academy of Dance Arts in Rapid City. The project aims to produce a simple and more effective </a:t>
+              <a:rPr lang="en-US" sz="6600" dirty="0" smtClean="0"/>
+              <a:t>effective management tool to replace </a:t>
             </a:r>
             <a:r>
-              <a:rPr lang="en-US" sz="3600" dirty="0" smtClean="0"/>
-              <a:t>tool </a:t>
+              <a:rPr lang="en-US" sz="6600" dirty="0" smtClean="0"/>
+              <a:t>the outdated system</a:t>
             </a:r>
             <a:r>
-              <a:rPr lang="en-US" sz="3600" dirty="0"/>
-              <a:t>then what is currently in use at the academy. This will be accomplished through the use of a database and a simple user friendly interface, which will allow faculty and students to easily accomplish their needs, whether that's registering for a class, getting </a:t>
-            </a:r>
-            <a:r>
-              <a:rPr lang="en-US" sz="3600" dirty="0" smtClean="0"/>
-              <a:t>a class </a:t>
-            </a:r>
-            <a:r>
-              <a:rPr lang="en-US" sz="3600" dirty="0"/>
-              <a:t>role sheet or just general </a:t>
-            </a:r>
-            <a:r>
-              <a:rPr lang="en-US" sz="3600" dirty="0" smtClean="0"/>
-              <a:t>employee </a:t>
-            </a:r>
-            <a:r>
-              <a:rPr lang="en-US" sz="3600" dirty="0"/>
-              <a:t>management. </a:t>
-            </a:r>
-            <a:r>
-              <a:rPr lang="en-US" sz="3600" dirty="0" err="1"/>
-              <a:t>DanceSoft</a:t>
-            </a:r>
-            <a:r>
-              <a:rPr lang="en-US" sz="3600" dirty="0"/>
+              <a:rPr lang="en-US" sz="6600" dirty="0" smtClean="0"/>
               <a:t> </a:t>
             </a:r>
             <a:r>
-              <a:rPr lang="en-US" sz="3600" dirty="0" smtClean="0"/>
-              <a:t>aims to </a:t>
+              <a:rPr lang="en-US" sz="6600" dirty="0"/>
+              <a:t>currently in use at the </a:t>
             </a:r>
             <a:r>
-              <a:rPr lang="en-US" sz="3600" dirty="0"/>
-              <a:t>provide effective management tools so </a:t>
+              <a:rPr lang="en-US" sz="6600" dirty="0"/>
+              <a:t>A</a:t>
             </a:r>
             <a:r>
-              <a:rPr lang="en-US" sz="3600" dirty="0" smtClean="0"/>
-              <a:t>the academy spends </a:t>
+              <a:rPr lang="en-US" sz="6600" dirty="0" smtClean="0"/>
+              <a:t>cademy. </a:t>
             </a:r>
             <a:r>
-              <a:rPr lang="en-US" sz="3600" dirty="0"/>
+              <a:rPr lang="en-US" sz="6600" dirty="0" smtClean="0"/>
+              <a:t>This way</a:t>
+            </a:r>
+            <a:r>
+              <a:rPr lang="en-US" sz="6600" dirty="0" smtClean="0"/>
+              <a:t> </a:t>
+            </a:r>
+            <a:r>
+              <a:rPr lang="en-US" sz="6600" dirty="0" smtClean="0"/>
+              <a:t>the </a:t>
+            </a:r>
+            <a:r>
+              <a:rPr lang="en-US" sz="6600" dirty="0" smtClean="0"/>
+              <a:t>users spend </a:t>
+            </a:r>
+            <a:r>
+              <a:rPr lang="en-US" sz="6600" dirty="0"/>
               <a:t>less time at their </a:t>
             </a:r>
             <a:r>
-              <a:rPr lang="en-US" sz="3600" dirty="0" smtClean="0"/>
+              <a:rPr lang="en-US" sz="6600" dirty="0" smtClean="0"/>
               <a:t>computers, </a:t>
             </a:r>
             <a:r>
-              <a:rPr lang="en-US" sz="3600" dirty="0"/>
+              <a:rPr lang="en-US" sz="6600" dirty="0"/>
               <a:t>and more time </a:t>
             </a:r>
             <a:r>
-              <a:rPr lang="en-US" sz="3600" dirty="0" smtClean="0"/>
-              <a:t>teaching students the wonders of dance.</a:t>
+              <a:rPr lang="en-US" sz="6600" dirty="0" smtClean="0"/>
+              <a:t>teaching the </a:t>
             </a:r>
-            <a:endParaRPr lang="en-US" sz="3600" dirty="0"/>
+            <a:r>
+              <a:rPr lang="en-US" sz="6600" dirty="0" smtClean="0"/>
+              <a:t>wonders of dance.</a:t>
+            </a:r>
+            <a:endParaRPr lang="en-US" sz="6600" dirty="0"/>
           </a:p>
         </p:txBody>
       </p:sp>
@@ -14585,8 +14603,8 @@
         </p:nvSpPr>
         <p:spPr>
           <a:xfrm>
-            <a:off x="15162218" y="16469221"/>
-            <a:ext cx="13571534" cy="754045"/>
+            <a:off x="15296382" y="5509756"/>
+            <a:ext cx="13571534" cy="1661985"/>
           </a:xfrm>
         </p:spPr>
         <p:txBody>
@@ -14594,10 +14612,10 @@
           <a:lstStyle/>
           <a:p>
             <a:r>
-              <a:rPr lang="en-US" dirty="0" smtClean="0"/>
+              <a:rPr lang="en-US" sz="9600" dirty="0" smtClean="0"/>
               <a:t>Project Overview</a:t>
             </a:r>
-            <a:endParaRPr lang="en-US" dirty="0"/>
+            <a:endParaRPr lang="en-US" sz="9600" dirty="0"/>
           </a:p>
         </p:txBody>
       </p:sp>
@@ -14613,8 +14631,8 @@
         </p:nvSpPr>
         <p:spPr>
           <a:xfrm>
-            <a:off x="15162215" y="6295353"/>
-            <a:ext cx="13571534" cy="2677634"/>
+            <a:off x="29456755" y="7484908"/>
+            <a:ext cx="13571534" cy="6001621"/>
           </a:xfrm>
         </p:spPr>
         <p:txBody>
@@ -14622,22 +14640,74 @@
           <a:lstStyle/>
           <a:p>
             <a:r>
-              <a:rPr lang="en-US" sz="3600" dirty="0" smtClean="0"/>
-              <a:t>The Academy of Dance Arts is a dance school in Rapid City, and Sturgis, South Dakota. The academy provides dance classes in a variety of disciplines to students of all ages. These classes range from </a:t>
+              <a:rPr lang="en-US" sz="6000" dirty="0" smtClean="0"/>
+              <a:t>The Academy of Dance </a:t>
             </a:r>
             <a:r>
-              <a:rPr lang="en-US" sz="3600" dirty="0" err="1"/>
-              <a:t>K</a:t>
+              <a:rPr lang="en-US" sz="6000" dirty="0" smtClean="0"/>
+              <a:t>Arts located in </a:t>
             </a:r>
             <a:r>
-              <a:rPr lang="en-US" sz="3600" dirty="0" err="1" smtClean="0"/>
-              <a:t>inderdance</a:t>
+              <a:rPr lang="en-US" sz="6000" dirty="0" smtClean="0"/>
+              <a:t>Rapid </a:t>
             </a:r>
             <a:r>
-              <a:rPr lang="en-US" sz="3600" dirty="0" smtClean="0"/>
-              <a:t>, Ballet and Tap to Hip-Hop  and Jazz.  </a:t>
+              <a:rPr lang="en-US" sz="6000" dirty="0" smtClean="0"/>
+              <a:t>City </a:t>
             </a:r>
-            <a:endParaRPr lang="en-US" sz="3600" dirty="0"/>
+            <a:r>
+              <a:rPr lang="en-US" sz="6000" dirty="0" smtClean="0"/>
+              <a:t>and Sturgis</a:t>
+            </a:r>
+            <a:r>
+              <a:rPr lang="en-US" sz="6000" dirty="0" smtClean="0"/>
+              <a:t>, provides classes </a:t>
+            </a:r>
+            <a:r>
+              <a:rPr lang="en-US" sz="6000" dirty="0" smtClean="0"/>
+              <a:t>in a variety of </a:t>
+            </a:r>
+            <a:r>
+              <a:rPr lang="en-US" sz="6000" dirty="0" smtClean="0"/>
+              <a:t>dance styles </a:t>
+            </a:r>
+            <a:r>
+              <a:rPr lang="en-US" sz="6000" dirty="0" smtClean="0"/>
+              <a:t>to students of all ages. These classes range from </a:t>
+            </a:r>
+            <a:r>
+              <a:rPr lang="en-US" sz="6000" dirty="0"/>
+              <a:t>Early Childhood </a:t>
+            </a:r>
+            <a:r>
+              <a:rPr lang="en-US" sz="6000" dirty="0" smtClean="0"/>
+              <a:t>Programs and </a:t>
+            </a:r>
+            <a:r>
+              <a:rPr lang="en-US" sz="6000" dirty="0"/>
+              <a:t>Classical </a:t>
+            </a:r>
+            <a:r>
+              <a:rPr lang="en-US" sz="6000" dirty="0" smtClean="0"/>
+              <a:t>Ballet, to</a:t>
+            </a:r>
+            <a:r>
+              <a:rPr lang="en-US" sz="6000" dirty="0" smtClean="0"/>
+              <a:t> Tap, </a:t>
+            </a:r>
+            <a:r>
+              <a:rPr lang="en-US" sz="6000" dirty="0" smtClean="0"/>
+              <a:t>Hip-Hop </a:t>
+            </a:r>
+            <a:r>
+              <a:rPr lang="en-US" sz="6000" dirty="0" smtClean="0"/>
+              <a:t>and </a:t>
+            </a:r>
+            <a:r>
+              <a:rPr lang="en-US" sz="6000" dirty="0" smtClean="0"/>
+              <a:t>Jazz.  </a:t>
+            </a:r>
+            <a:endParaRPr lang="en-US" sz="6000" dirty="0"/>
           </a:p>
         </p:txBody>
       </p:sp>
@@ -14651,16 +14721,21 @@
             <p:ph type="body" sz="quarter" idx="24"/>
           </p:nvPr>
         </p:nvSpPr>
-        <p:spPr/>
+        <p:spPr>
+          <a:xfrm>
+            <a:off x="29399542" y="5485769"/>
+            <a:ext cx="13579475" cy="1661985"/>
+          </a:xfrm>
+        </p:spPr>
         <p:txBody>
           <a:bodyPr/>
           <a:lstStyle/>
           <a:p>
             <a:r>
-              <a:rPr lang="en-US" dirty="0" smtClean="0"/>
+              <a:rPr lang="en-US" sz="9600" dirty="0" smtClean="0"/>
               <a:t>Academy of Dance Arts</a:t>
             </a:r>
-            <a:endParaRPr lang="en-US" dirty="0"/>
+            <a:endParaRPr lang="en-US" sz="9600" dirty="0"/>
           </a:p>
         </p:txBody>
       </p:sp>
@@ -14674,16 +14749,21 @@
             <p:ph type="body" sz="quarter" idx="25"/>
           </p:nvPr>
         </p:nvSpPr>
-        <p:spPr/>
+        <p:spPr>
+          <a:xfrm>
+            <a:off x="29456755" y="24473841"/>
+            <a:ext cx="13576029" cy="1661985"/>
+          </a:xfrm>
+        </p:spPr>
         <p:txBody>
           <a:bodyPr/>
           <a:lstStyle/>
           <a:p>
             <a:r>
-              <a:rPr lang="en-US" dirty="0" smtClean="0"/>
-              <a:t>Architecture and  Database</a:t>
+              <a:rPr lang="en-US" sz="9600" dirty="0" smtClean="0"/>
+              <a:t>Database</a:t>
             </a:r>
-            <a:endParaRPr lang="en-US" dirty="0"/>
+            <a:endParaRPr lang="en-US" sz="9600" dirty="0"/>
           </a:p>
         </p:txBody>
       </p:sp>
@@ -14697,12 +14777,21 @@
             <p:ph type="body" sz="quarter" idx="26"/>
           </p:nvPr>
         </p:nvSpPr>
-        <p:spPr/>
+        <p:spPr>
+          <a:xfrm>
+            <a:off x="29456755" y="26135826"/>
+            <a:ext cx="13576029" cy="3508631"/>
+          </a:xfrm>
+        </p:spPr>
         <p:txBody>
           <a:bodyPr/>
           <a:lstStyle/>
           <a:p>
-            <a:endParaRPr lang="en-US"/>
+            <a:r>
+              <a:rPr lang="en-US" sz="6600" dirty="0" smtClean="0"/>
+              <a:t>A MySQL database was used to effectively manage the system and the Academy’s data.</a:t>
+            </a:r>
+            <a:endParaRPr lang="en-US" sz="6600" dirty="0"/>
           </a:p>
         </p:txBody>
       </p:sp>
@@ -14821,7 +14910,7 @@
         </p:blipFill>
         <p:spPr>
           <a:xfrm>
-            <a:off x="0" y="-22023"/>
+            <a:off x="51338" y="-22023"/>
             <a:ext cx="11762509" cy="4925818"/>
           </a:xfrm>
           <a:prstGeom prst="rect">
@@ -15036,8 +15125,8 @@
         </p:blipFill>
         <p:spPr>
           <a:xfrm>
-            <a:off x="17380660" y="23590653"/>
-            <a:ext cx="8336841" cy="5822547"/>
+            <a:off x="30764347" y="14013450"/>
+            <a:ext cx="10665363" cy="7448814"/>
           </a:xfrm>
           <a:prstGeom prst="rect">
             <a:avLst/>
@@ -15066,17 +15155,79 @@
         </p:blipFill>
         <p:spPr>
           <a:xfrm>
-            <a:off x="1478600" y="23945181"/>
-            <a:ext cx="6357268" cy="5023909"/>
+            <a:off x="1459936" y="11094443"/>
+            <a:ext cx="11303968" cy="8933100"/>
           </a:xfrm>
           <a:prstGeom prst="rect">
             <a:avLst/>
           </a:prstGeom>
         </p:spPr>
       </p:pic>
+      <p:sp>
+        <p:nvSpPr>
+          <p:cNvPr id="23" name="TextBox 22"/>
+          <p:cNvSpPr txBox="1"/>
+          <p:nvPr/>
+        </p:nvSpPr>
+        <p:spPr>
+          <a:xfrm>
+            <a:off x="754652" y="20405446"/>
+            <a:ext cx="6357268" cy="1200329"/>
+          </a:xfrm>
+          <a:prstGeom prst="rect">
+            <a:avLst/>
+          </a:prstGeom>
+          <a:noFill/>
+        </p:spPr>
+        <p:txBody>
+          <a:bodyPr wrap="square" rtlCol="0">
+            <a:spAutoFit/>
+          </a:bodyPr>
+          <a:lstStyle/>
+          <a:p>
+            <a:pPr algn="ctr"/>
+            <a:r>
+              <a:rPr lang="en-US" sz="7200" dirty="0" smtClean="0"/>
+              <a:t>Search Pages</a:t>
+            </a:r>
+            <a:endParaRPr lang="en-US" sz="7200" dirty="0"/>
+          </a:p>
+        </p:txBody>
+      </p:sp>
+      <p:sp>
+        <p:nvSpPr>
+          <p:cNvPr id="24" name="TextBox 23"/>
+          <p:cNvSpPr txBox="1"/>
+          <p:nvPr/>
+        </p:nvSpPr>
+        <p:spPr>
+          <a:xfrm>
+            <a:off x="29399542" y="21673383"/>
+            <a:ext cx="8336841" cy="1200329"/>
+          </a:xfrm>
+          <a:prstGeom prst="rect">
+            <a:avLst/>
+          </a:prstGeom>
+          <a:noFill/>
+        </p:spPr>
+        <p:txBody>
+          <a:bodyPr wrap="square" rtlCol="0">
+            <a:spAutoFit/>
+          </a:bodyPr>
+          <a:lstStyle/>
+          <a:p>
+            <a:pPr algn="ctr"/>
+            <a:r>
+              <a:rPr lang="en-US" sz="7200" dirty="0" smtClean="0"/>
+              <a:t>Landing Pages</a:t>
+            </a:r>
+            <a:endParaRPr lang="en-US" sz="7200" dirty="0"/>
+          </a:p>
+        </p:txBody>
+      </p:sp>
       <p:pic>
         <p:nvPicPr>
-          <p:cNvPr id="22" name="Picture 21"/>
+          <p:cNvPr id="27" name="Picture 26"/>
           <p:cNvPicPr>
             <a:picLocks noChangeAspect="1"/>
           </p:cNvPicPr>
@@ -15096,290 +15247,17 @@
         </p:blipFill>
         <p:spPr>
           <a:xfrm>
-            <a:off x="8200757" y="23945181"/>
-            <a:ext cx="6100766" cy="5023909"/>
+            <a:off x="15296382" y="14437043"/>
+            <a:ext cx="13146271" cy="6731404"/>
           </a:xfrm>
           <a:prstGeom prst="rect">
             <a:avLst/>
           </a:prstGeom>
         </p:spPr>
       </p:pic>
-      <p:sp>
-        <p:nvSpPr>
-          <p:cNvPr id="23" name="TextBox 22"/>
-          <p:cNvSpPr txBox="1"/>
-          <p:nvPr/>
-        </p:nvSpPr>
-        <p:spPr>
-          <a:xfrm>
-            <a:off x="1478600" y="29413200"/>
-            <a:ext cx="6357268" cy="646331"/>
-          </a:xfrm>
-          <a:prstGeom prst="rect">
-            <a:avLst/>
-          </a:prstGeom>
-          <a:noFill/>
-        </p:spPr>
-        <p:txBody>
-          <a:bodyPr wrap="square" rtlCol="0">
-            <a:spAutoFit/>
-          </a:bodyPr>
-          <a:lstStyle/>
-          <a:p>
-            <a:pPr algn="ctr"/>
-            <a:r>
-              <a:rPr lang="en-US" sz="3600" dirty="0" smtClean="0"/>
-              <a:t>Search Pages</a:t>
-            </a:r>
-            <a:endParaRPr lang="en-US" sz="3600" dirty="0"/>
-          </a:p>
-        </p:txBody>
-      </p:sp>
-      <p:sp>
-        <p:nvSpPr>
-          <p:cNvPr id="43" name="TextBox 42"/>
-          <p:cNvSpPr txBox="1"/>
-          <p:nvPr/>
-        </p:nvSpPr>
-        <p:spPr>
-          <a:xfrm>
-            <a:off x="7757012" y="29407501"/>
-            <a:ext cx="6357268" cy="646331"/>
-          </a:xfrm>
-          <a:prstGeom prst="rect">
-            <a:avLst/>
-          </a:prstGeom>
-          <a:noFill/>
-        </p:spPr>
-        <p:txBody>
-          <a:bodyPr wrap="square" rtlCol="0">
-            <a:spAutoFit/>
-          </a:bodyPr>
-          <a:lstStyle/>
-          <a:p>
-            <a:pPr algn="ctr"/>
-            <a:r>
-              <a:rPr lang="en-US" sz="3600" dirty="0" smtClean="0"/>
-              <a:t>Forms Pages</a:t>
-            </a:r>
-            <a:endParaRPr lang="en-US" sz="3600" dirty="0"/>
-          </a:p>
-        </p:txBody>
-      </p:sp>
-      <p:sp>
-        <p:nvSpPr>
-          <p:cNvPr id="24" name="TextBox 23"/>
-          <p:cNvSpPr txBox="1"/>
-          <p:nvPr/>
-        </p:nvSpPr>
-        <p:spPr>
-          <a:xfrm>
-            <a:off x="17380660" y="29730666"/>
-            <a:ext cx="8336841" cy="646331"/>
-          </a:xfrm>
-          <a:prstGeom prst="rect">
-            <a:avLst/>
-          </a:prstGeom>
-          <a:noFill/>
-        </p:spPr>
-        <p:txBody>
-          <a:bodyPr wrap="square" rtlCol="0">
-            <a:spAutoFit/>
-          </a:bodyPr>
-          <a:lstStyle/>
-          <a:p>
-            <a:pPr algn="ctr"/>
-            <a:r>
-              <a:rPr lang="en-US" sz="3600" dirty="0" smtClean="0"/>
-              <a:t>Landing Pages</a:t>
-            </a:r>
-            <a:endParaRPr lang="en-US" sz="3600" dirty="0"/>
-          </a:p>
-        </p:txBody>
-      </p:sp>
-      <p:sp>
-        <p:nvSpPr>
-          <p:cNvPr id="25" name="TextBox 24"/>
-          <p:cNvSpPr txBox="1"/>
-          <p:nvPr/>
-        </p:nvSpPr>
-        <p:spPr>
-          <a:xfrm>
-            <a:off x="31808056" y="16162485"/>
-            <a:ext cx="10123714" cy="2739211"/>
-          </a:xfrm>
-          <a:prstGeom prst="rect">
-            <a:avLst/>
-          </a:prstGeom>
-          <a:noFill/>
-        </p:spPr>
-        <p:txBody>
-          <a:bodyPr wrap="square" rtlCol="0">
-            <a:spAutoFit/>
-          </a:bodyPr>
-          <a:lstStyle/>
-          <a:p>
-            <a:r>
-              <a:rPr lang="en-US" dirty="0" smtClean="0"/>
-              <a:t>Need Database Diagram</a:t>
-            </a:r>
-            <a:endParaRPr lang="en-US" dirty="0"/>
-          </a:p>
-        </p:txBody>
-      </p:sp>
-      <p:sp>
-        <p:nvSpPr>
-          <p:cNvPr id="26" name="TextBox 25"/>
-          <p:cNvSpPr txBox="1"/>
-          <p:nvPr/>
-        </p:nvSpPr>
-        <p:spPr>
-          <a:xfrm>
-            <a:off x="2774011" y="14613221"/>
-            <a:ext cx="10123714" cy="1415772"/>
-          </a:xfrm>
-          <a:prstGeom prst="rect">
-            <a:avLst/>
-          </a:prstGeom>
-          <a:noFill/>
-        </p:spPr>
-        <p:txBody>
-          <a:bodyPr wrap="square" rtlCol="0">
-            <a:spAutoFit/>
-          </a:bodyPr>
-          <a:lstStyle/>
-          <a:p>
-            <a:r>
-              <a:rPr lang="en-US" dirty="0" smtClean="0"/>
-              <a:t>Need GUI ARCH.</a:t>
-            </a:r>
-            <a:endParaRPr lang="en-US" dirty="0"/>
-          </a:p>
-        </p:txBody>
-      </p:sp>
-      <p:sp>
-        <p:nvSpPr>
-          <p:cNvPr id="28" name="TextBox 27"/>
-          <p:cNvSpPr txBox="1"/>
-          <p:nvPr/>
-        </p:nvSpPr>
-        <p:spPr>
-          <a:xfrm>
-            <a:off x="2774011" y="8223019"/>
-            <a:ext cx="8477129" cy="2739211"/>
-          </a:xfrm>
-          <a:prstGeom prst="rect">
-            <a:avLst/>
-          </a:prstGeom>
-          <a:noFill/>
-        </p:spPr>
-        <p:txBody>
-          <a:bodyPr wrap="square" rtlCol="0">
-            <a:spAutoFit/>
-          </a:bodyPr>
-          <a:lstStyle/>
-          <a:p>
-            <a:r>
-              <a:rPr lang="en-US" dirty="0" smtClean="0"/>
-              <a:t>General Description </a:t>
-            </a:r>
-            <a:endParaRPr lang="en-US" dirty="0"/>
-          </a:p>
-        </p:txBody>
-      </p:sp>
-      <p:sp>
-        <p:nvSpPr>
-          <p:cNvPr id="29" name="TextBox 28"/>
-          <p:cNvSpPr txBox="1"/>
-          <p:nvPr/>
-        </p:nvSpPr>
-        <p:spPr>
-          <a:xfrm>
-            <a:off x="2774011" y="19136213"/>
-            <a:ext cx="10123714" cy="1415772"/>
-          </a:xfrm>
-          <a:prstGeom prst="rect">
-            <a:avLst/>
-          </a:prstGeom>
-          <a:noFill/>
-        </p:spPr>
-        <p:txBody>
-          <a:bodyPr wrap="square" rtlCol="0">
-            <a:spAutoFit/>
-          </a:bodyPr>
-          <a:lstStyle/>
-          <a:p>
-            <a:r>
-              <a:rPr lang="en-US" dirty="0" smtClean="0"/>
-              <a:t>List Highlights</a:t>
-            </a:r>
-            <a:endParaRPr lang="en-US" dirty="0"/>
-          </a:p>
-        </p:txBody>
-      </p:sp>
-      <p:sp>
-        <p:nvSpPr>
-          <p:cNvPr id="30" name="TextBox 29"/>
-          <p:cNvSpPr txBox="1"/>
-          <p:nvPr/>
-        </p:nvSpPr>
-        <p:spPr>
-          <a:xfrm>
-            <a:off x="30716992" y="9145828"/>
-            <a:ext cx="10933525" cy="2739211"/>
-          </a:xfrm>
-          <a:prstGeom prst="rect">
-            <a:avLst/>
-          </a:prstGeom>
-          <a:noFill/>
-        </p:spPr>
-        <p:txBody>
-          <a:bodyPr wrap="square" rtlCol="0">
-            <a:spAutoFit/>
-          </a:bodyPr>
-          <a:lstStyle/>
-          <a:p>
-            <a:r>
-              <a:rPr lang="en-US" dirty="0" smtClean="0"/>
-              <a:t>General Simple Data Description</a:t>
-            </a:r>
-            <a:endParaRPr lang="en-US" dirty="0"/>
-          </a:p>
-        </p:txBody>
-      </p:sp>
-      <p:sp>
-        <p:nvSpPr>
-          <p:cNvPr id="31" name="TextBox 30"/>
-          <p:cNvSpPr txBox="1"/>
-          <p:nvPr/>
-        </p:nvSpPr>
-        <p:spPr>
-          <a:xfrm>
-            <a:off x="16132629" y="9665522"/>
-            <a:ext cx="10319657" cy="2739211"/>
-          </a:xfrm>
-          <a:prstGeom prst="rect">
-            <a:avLst/>
-          </a:prstGeom>
-          <a:noFill/>
-        </p:spPr>
-        <p:txBody>
-          <a:bodyPr wrap="square" rtlCol="0">
-            <a:spAutoFit/>
-          </a:bodyPr>
-          <a:lstStyle/>
-          <a:p>
-            <a:r>
-              <a:rPr lang="en-US" dirty="0" smtClean="0"/>
-              <a:t>Improve the client description</a:t>
-            </a:r>
-            <a:endParaRPr lang="en-US" dirty="0"/>
-          </a:p>
-        </p:txBody>
-      </p:sp>
       <p:pic>
         <p:nvPicPr>
-          <p:cNvPr id="451" name="Picture 450"/>
+          <p:cNvPr id="449" name="Picture 448"/>
           <p:cNvPicPr>
             <a:picLocks noChangeAspect="1"/>
           </p:cNvPicPr>
@@ -15399,8 +15277,38 @@
         </p:blipFill>
         <p:spPr>
           <a:xfrm>
-            <a:off x="30009916" y="23945181"/>
-            <a:ext cx="7921645" cy="4343653"/>
+            <a:off x="15596264" y="22026973"/>
+            <a:ext cx="12974128" cy="8156963"/>
+          </a:xfrm>
+          <a:prstGeom prst="rect">
+            <a:avLst/>
+          </a:prstGeom>
+        </p:spPr>
+      </p:pic>
+      <p:pic>
+        <p:nvPicPr>
+          <p:cNvPr id="453" name="Picture 452"/>
+          <p:cNvPicPr>
+            <a:picLocks noChangeAspect="1"/>
+          </p:cNvPicPr>
+          <p:nvPr/>
+        </p:nvPicPr>
+        <p:blipFill>
+          <a:blip r:embed="rId8">
+            <a:extLst>
+              <a:ext uri="{28A0092B-C50C-407E-A947-70E740481C1C}">
+                <a14:useLocalDpi xmlns:a14="http://schemas.microsoft.com/office/drawing/2010/main" val="0"/>
+              </a:ext>
+            </a:extLst>
+          </a:blip>
+          <a:stretch>
+            <a:fillRect/>
+          </a:stretch>
+        </p:blipFill>
+        <p:spPr>
+          <a:xfrm>
+            <a:off x="1459936" y="22944929"/>
+            <a:ext cx="12476515" cy="6546523"/>
           </a:xfrm>
           <a:prstGeom prst="rect">
             <a:avLst/>
@@ -15713,7 +15621,7 @@
 <file path=ppt/theme/theme2.xml><?xml version="1.0" encoding="utf-8"?>
 <a:theme xmlns:a="http://schemas.openxmlformats.org/drawingml/2006/main" name="1_Classic 3 Columns">
   <a:themeElements>
-    <a:clrScheme name="Metro">
+    <a:clrScheme name="Custom 1">
       <a:dk1>
         <a:sysClr val="windowText" lastClr="000000"/>
       </a:dk1>
@@ -15721,34 +15629,34 @@
         <a:sysClr val="window" lastClr="FFFFFF"/>
       </a:lt1>
       <a:dk2>
-        <a:srgbClr val="4E5B6F"/>
+        <a:srgbClr val="323232"/>
       </a:dk2>
       <a:lt2>
-        <a:srgbClr val="D6ECFF"/>
+        <a:srgbClr val="E5C243"/>
       </a:lt2>
       <a:accent1>
-        <a:srgbClr val="7FD13B"/>
+        <a:srgbClr val="A5300F"/>
       </a:accent1>
       <a:accent2>
-        <a:srgbClr val="EA157A"/>
+        <a:srgbClr val="D55816"/>
       </a:accent2>
       <a:accent3>
-        <a:srgbClr val="FEB80A"/>
+        <a:srgbClr val="E19825"/>
       </a:accent3>
       <a:accent4>
-        <a:srgbClr val="00ADDC"/>
+        <a:srgbClr val="B19C7D"/>
       </a:accent4>
       <a:accent5>
-        <a:srgbClr val="738AC8"/>
+        <a:srgbClr val="7F5F52"/>
       </a:accent5>
       <a:accent6>
-        <a:srgbClr val="1AB39F"/>
+        <a:srgbClr val="B27D49"/>
       </a:accent6>
       <a:hlink>
-        <a:srgbClr val="EB8803"/>
+        <a:srgbClr val="6B9F25"/>
       </a:hlink>
       <a:folHlink>
-        <a:srgbClr val="5F7791"/>
+        <a:srgbClr val="B26B02"/>
       </a:folHlink>
     </a:clrScheme>
     <a:fontScheme name="Office">

--- a/Design Fair/Design_Fair_Poster.pptx
+++ b/Design Fair/Design_Fair_Poster.pptx
@@ -257,7 +257,7 @@
             <a:fld id="{0158C5BC-9A70-462C-B28D-9600239EAC64}" type="datetimeFigureOut">
               <a:rPr lang="en-US" smtClean="0"/>
               <a:pPr/>
-              <a:t>4/5/2016</a:t>
+              <a:t>4/7/2016</a:t>
             </a:fld>
             <a:endParaRPr lang="en-US"/>
           </a:p>
@@ -424,7 +424,7 @@
             <a:fld id="{E6CC2317-6751-4CD4-9995-8782DD78E936}" type="datetimeFigureOut">
               <a:rPr lang="en-US" smtClean="0"/>
               <a:pPr/>
-              <a:t>4/5/2016</a:t>
+              <a:t>4/7/2016</a:t>
             </a:fld>
             <a:endParaRPr lang="en-US" dirty="0"/>
           </a:p>
@@ -741,7 +741,7 @@
           </a:bodyPr>
           <a:lstStyle/>
           <a:p>
-            <a:endParaRPr lang="en-US"/>
+            <a:endParaRPr lang="en-US" dirty="0"/>
           </a:p>
         </p:txBody>
       </p:sp>
@@ -5451,7 +5451,7 @@
               <a:graphicData uri="http://schemas.openxmlformats.org/presentationml/2006/ole">
                 <mc:AlternateContent xmlns:mc="http://schemas.openxmlformats.org/markup-compatibility/2006">
                   <mc:Choice xmlns:v="urn:schemas-microsoft-com:vml" Requires="v">
-                    <p:oleObj spid="_x0000_s1122" name="Image" r:id="rId8" imgW="1828440" imgH="1117440" progId="Photoshop.Image.13">
+                    <p:oleObj spid="_x0000_s1162" name="Image" r:id="rId8" imgW="1828440" imgH="1117440" progId="Photoshop.Image.13">
                       <p:embed/>
                     </p:oleObj>
                   </mc:Choice>
@@ -5508,7 +5508,7 @@
               <a:graphicData uri="http://schemas.openxmlformats.org/presentationml/2006/ole">
                 <mc:AlternateContent xmlns:mc="http://schemas.openxmlformats.org/markup-compatibility/2006">
                   <mc:Choice xmlns:v="urn:schemas-microsoft-com:vml" Requires="v">
-                    <p:oleObj spid="_x0000_s1123" name="Image" r:id="rId10" imgW="1828440" imgH="1117440" progId="Photoshop.Image.13">
+                    <p:oleObj spid="_x0000_s1163" name="Image" r:id="rId10" imgW="1828440" imgH="1117440" progId="Photoshop.Image.13">
                       <p:embed/>
                     </p:oleObj>
                   </mc:Choice>
@@ -6636,7 +6636,7 @@
             <a:graphicData uri="http://schemas.openxmlformats.org/presentationml/2006/ole">
               <mc:AlternateContent xmlns:mc="http://schemas.openxmlformats.org/markup-compatibility/2006">
                 <mc:Choice xmlns:v="urn:schemas-microsoft-com:vml" Requires="v">
-                  <p:oleObj spid="_x0000_s1124" name="Image" r:id="rId12" imgW="4571280" imgH="1688760" progId="Photoshop.Image.13">
+                  <p:oleObj spid="_x0000_s1164" name="Image" r:id="rId12" imgW="4571280" imgH="1688760" progId="Photoshop.Image.13">
                     <p:embed/>
                   </p:oleObj>
                 </mc:Choice>
@@ -6720,7 +6720,7 @@
             <a:graphicData uri="http://schemas.openxmlformats.org/presentationml/2006/ole">
               <mc:AlternateContent xmlns:mc="http://schemas.openxmlformats.org/markup-compatibility/2006">
                 <mc:Choice xmlns:v="urn:schemas-microsoft-com:vml" Requires="v">
-                  <p:oleObj spid="_x0000_s1125" name="Image" r:id="rId15" imgW="1574280" imgH="1053720" progId="Photoshop.Image.13">
+                  <p:oleObj spid="_x0000_s1165" name="Image" r:id="rId15" imgW="1574280" imgH="1053720" progId="Photoshop.Image.13">
                     <p:embed/>
                   </p:oleObj>
                 </mc:Choice>
@@ -8717,7 +8717,7 @@
             <a:graphicData uri="http://schemas.openxmlformats.org/presentationml/2006/ole">
               <mc:AlternateContent xmlns:mc="http://schemas.openxmlformats.org/markup-compatibility/2006">
                 <mc:Choice xmlns:v="urn:schemas-microsoft-com:vml" Requires="v">
-                  <p:oleObj spid="_x0000_s2150" name="Image" r:id="rId4" imgW="4571280" imgH="1688760" progId="Photoshop.Image.13">
+                  <p:oleObj spid="_x0000_s2190" name="Image" r:id="rId4" imgW="4571280" imgH="1688760" progId="Photoshop.Image.13">
                     <p:embed/>
                   </p:oleObj>
                 </mc:Choice>
@@ -8801,7 +8801,7 @@
             <a:graphicData uri="http://schemas.openxmlformats.org/presentationml/2006/ole">
               <mc:AlternateContent xmlns:mc="http://schemas.openxmlformats.org/markup-compatibility/2006">
                 <mc:Choice xmlns:v="urn:schemas-microsoft-com:vml" Requires="v">
-                  <p:oleObj spid="_x0000_s2151" name="Image" r:id="rId7" imgW="1574280" imgH="1053720" progId="Photoshop.Image.13">
+                  <p:oleObj spid="_x0000_s2191" name="Image" r:id="rId7" imgW="1574280" imgH="1053720" progId="Photoshop.Image.13">
                     <p:embed/>
                   </p:oleObj>
                 </mc:Choice>
@@ -10341,7 +10341,7 @@
               <a:graphicData uri="http://schemas.openxmlformats.org/presentationml/2006/ole">
                 <mc:AlternateContent xmlns:mc="http://schemas.openxmlformats.org/markup-compatibility/2006">
                   <mc:Choice xmlns:v="urn:schemas-microsoft-com:vml" Requires="v">
-                    <p:oleObj spid="_x0000_s2152" name="Image" r:id="rId15" imgW="1828440" imgH="1117440" progId="Photoshop.Image.13">
+                    <p:oleObj spid="_x0000_s2192" name="Image" r:id="rId15" imgW="1828440" imgH="1117440" progId="Photoshop.Image.13">
                       <p:embed/>
                     </p:oleObj>
                   </mc:Choice>
@@ -10398,7 +10398,7 @@
               <a:graphicData uri="http://schemas.openxmlformats.org/presentationml/2006/ole">
                 <mc:AlternateContent xmlns:mc="http://schemas.openxmlformats.org/markup-compatibility/2006">
                   <mc:Choice xmlns:v="urn:schemas-microsoft-com:vml" Requires="v">
-                    <p:oleObj spid="_x0000_s2153" name="Image" r:id="rId17" imgW="1828440" imgH="1117440" progId="Photoshop.Image.13">
+                    <p:oleObj spid="_x0000_s2193" name="Image" r:id="rId17" imgW="1828440" imgH="1117440" progId="Photoshop.Image.13">
                       <p:embed/>
                     </p:oleObj>
                   </mc:Choice>
@@ -12226,7 +12226,7 @@
             <a:graphicData uri="http://schemas.openxmlformats.org/presentationml/2006/ole">
               <mc:AlternateContent xmlns:mc="http://schemas.openxmlformats.org/markup-compatibility/2006">
                 <mc:Choice xmlns:v="urn:schemas-microsoft-com:vml" Requires="v">
-                  <p:oleObj spid="_x0000_s3170" name="Image" r:id="rId4" imgW="4571280" imgH="1688760" progId="Photoshop.Image.13">
+                  <p:oleObj spid="_x0000_s3210" name="Image" r:id="rId4" imgW="4571280" imgH="1688760" progId="Photoshop.Image.13">
                     <p:embed/>
                   </p:oleObj>
                 </mc:Choice>
@@ -12310,7 +12310,7 @@
             <a:graphicData uri="http://schemas.openxmlformats.org/presentationml/2006/ole">
               <mc:AlternateContent xmlns:mc="http://schemas.openxmlformats.org/markup-compatibility/2006">
                 <mc:Choice xmlns:v="urn:schemas-microsoft-com:vml" Requires="v">
-                  <p:oleObj spid="_x0000_s3171" name="Image" r:id="rId7" imgW="1574280" imgH="1053720" progId="Photoshop.Image.13">
+                  <p:oleObj spid="_x0000_s3211" name="Image" r:id="rId7" imgW="1574280" imgH="1053720" progId="Photoshop.Image.13">
                     <p:embed/>
                   </p:oleObj>
                 </mc:Choice>
@@ -13850,7 +13850,7 @@
               <a:graphicData uri="http://schemas.openxmlformats.org/presentationml/2006/ole">
                 <mc:AlternateContent xmlns:mc="http://schemas.openxmlformats.org/markup-compatibility/2006">
                   <mc:Choice xmlns:v="urn:schemas-microsoft-com:vml" Requires="v">
-                    <p:oleObj spid="_x0000_s3172" name="Image" r:id="rId15" imgW="1828440" imgH="1117440" progId="Photoshop.Image.13">
+                    <p:oleObj spid="_x0000_s3212" name="Image" r:id="rId15" imgW="1828440" imgH="1117440" progId="Photoshop.Image.13">
                       <p:embed/>
                     </p:oleObj>
                   </mc:Choice>
@@ -13907,7 +13907,7 @@
               <a:graphicData uri="http://schemas.openxmlformats.org/presentationml/2006/ole">
                 <mc:AlternateContent xmlns:mc="http://schemas.openxmlformats.org/markup-compatibility/2006">
                   <mc:Choice xmlns:v="urn:schemas-microsoft-com:vml" Requires="v">
-                    <p:oleObj spid="_x0000_s3173" name="Image" r:id="rId17" imgW="1828440" imgH="1117440" progId="Photoshop.Image.13">
+                    <p:oleObj spid="_x0000_s3213" name="Image" r:id="rId17" imgW="1828440" imgH="1117440" progId="Photoshop.Image.13">
                       <p:embed/>
                     </p:oleObj>
                   </mc:Choice>
@@ -14529,43 +14529,15 @@
             </a:r>
             <a:r>
               <a:rPr lang="en-US" sz="6600" dirty="0" smtClean="0"/>
-              <a:t>effective management tool to replace </a:t>
+              <a:t>effective management tool to replace the outdated system </a:t>
+            </a:r>
+            <a:r>
+              <a:rPr lang="en-US" sz="6600" dirty="0"/>
+              <a:t>currently in use at the A</a:t>
             </a:r>
             <a:r>
               <a:rPr lang="en-US" sz="6600" dirty="0" smtClean="0"/>
-              <a:t>the outdated system</a:t>
-            </a:r>
-            <a:r>
-              <a:rPr lang="en-US" sz="6600" dirty="0" smtClean="0"/>
-              <a:t> </a:t>
-            </a:r>
-            <a:r>
-              <a:rPr lang="en-US" sz="6600" dirty="0"/>
-              <a:t>currently in use at the </a:t>
-            </a:r>
-            <a:r>
-              <a:rPr lang="en-US" sz="6600" dirty="0"/>
-              <a:t>A</a:t>
-            </a:r>
-            <a:r>
-              <a:rPr lang="en-US" sz="6600" dirty="0" smtClean="0"/>
-              <a:t>cademy. </a:t>
-            </a:r>
-            <a:r>
-              <a:rPr lang="en-US" sz="6600" dirty="0" smtClean="0"/>
-              <a:t>This way</a:t>
-            </a:r>
-            <a:r>
-              <a:rPr lang="en-US" sz="6600" dirty="0" smtClean="0"/>
-              <a:t> </a:t>
-            </a:r>
-            <a:r>
-              <a:rPr lang="en-US" sz="6600" dirty="0" smtClean="0"/>
-              <a:t>the </a:t>
-            </a:r>
-            <a:r>
-              <a:rPr lang="en-US" sz="6600" dirty="0" smtClean="0"/>
-              <a:t>users spend </a:t>
+              <a:t>cademy. This way the users spend </a:t>
             </a:r>
             <a:r>
               <a:rPr lang="en-US" sz="6600" dirty="0"/>
@@ -14581,11 +14553,7 @@
             </a:r>
             <a:r>
               <a:rPr lang="en-US" sz="6600" dirty="0" smtClean="0"/>
-              <a:t>teaching the </a:t>
-            </a:r>
-            <a:r>
-              <a:rPr lang="en-US" sz="6600" dirty="0" smtClean="0"/>
-              <a:t>wonders of dance.</a:t>
+              <a:t>teaching the wonders of dance.</a:t>
             </a:r>
             <a:endParaRPr lang="en-US" sz="6600" dirty="0"/>
           </a:p>
@@ -14641,39 +14609,7 @@
           <a:p>
             <a:r>
               <a:rPr lang="en-US" sz="6000" dirty="0" smtClean="0"/>
-              <a:t>The Academy of Dance </a:t>
-            </a:r>
-            <a:r>
-              <a:rPr lang="en-US" sz="6000" dirty="0" smtClean="0"/>
-              <a:t>Arts located in </a:t>
-            </a:r>
-            <a:r>
-              <a:rPr lang="en-US" sz="6000" dirty="0" smtClean="0"/>
-              <a:t>Rapid </a:t>
-            </a:r>
-            <a:r>
-              <a:rPr lang="en-US" sz="6000" dirty="0" smtClean="0"/>
-              <a:t>City </a:t>
-            </a:r>
-            <a:r>
-              <a:rPr lang="en-US" sz="6000" dirty="0" smtClean="0"/>
-              <a:t>and Sturgis</a:t>
-            </a:r>
-            <a:r>
-              <a:rPr lang="en-US" sz="6000" dirty="0" smtClean="0"/>
-              <a:t>, provides classes </a:t>
-            </a:r>
-            <a:r>
-              <a:rPr lang="en-US" sz="6000" dirty="0" smtClean="0"/>
-              <a:t>in a variety of </a:t>
-            </a:r>
-            <a:r>
-              <a:rPr lang="en-US" sz="6000" dirty="0" smtClean="0"/>
-              <a:t>dance styles </a:t>
-            </a:r>
-            <a:r>
-              <a:rPr lang="en-US" sz="6000" dirty="0" smtClean="0"/>
-              <a:t>to students of all ages. These classes range from </a:t>
+              <a:t>The Academy of Dance Arts located in Rapid City and Sturgis, provides classes in a variety of dance styles to students of all ages. These classes range from </a:t>
             </a:r>
             <a:r>
               <a:rPr lang="en-US" sz="6000" dirty="0"/>
@@ -14689,23 +14625,7 @@
             </a:r>
             <a:r>
               <a:rPr lang="en-US" sz="6000" dirty="0" smtClean="0"/>
-              <a:t>Ballet, to</a:t>
-            </a:r>
-            <a:r>
-              <a:rPr lang="en-US" sz="6000" dirty="0" smtClean="0"/>
-              <a:t> Tap, </a:t>
-            </a:r>
-            <a:r>
-              <a:rPr lang="en-US" sz="6000" dirty="0" smtClean="0"/>
-              <a:t>Hip-Hop </a:t>
-            </a:r>
-            <a:r>
-              <a:rPr lang="en-US" sz="6000" dirty="0" smtClean="0"/>
-              <a:t>and </a:t>
-            </a:r>
-            <a:r>
-              <a:rPr lang="en-US" sz="6000" dirty="0" smtClean="0"/>
-              <a:t>Jazz.  </a:t>
+              <a:t>Ballet, to Tap, Hip-Hop and Jazz.  </a:t>
             </a:r>
             <a:endParaRPr lang="en-US" sz="6000" dirty="0"/>
           </a:p>
@@ -14876,15 +14796,15 @@
         </p:spPr>
         <p:txBody>
           <a:bodyPr>
-            <a:normAutofit fontScale="92500" lnSpcReduction="10000"/>
+            <a:noAutofit/>
           </a:bodyPr>
           <a:lstStyle/>
           <a:p>
             <a:r>
-              <a:rPr lang="en-US" dirty="0" err="1" smtClean="0"/>
+              <a:rPr lang="en-US" sz="11000" dirty="0" err="1" smtClean="0"/>
               <a:t>DanceSoft</a:t>
             </a:r>
-            <a:endParaRPr lang="en-US" dirty="0"/>
+            <a:endParaRPr lang="en-US" sz="11000" dirty="0"/>
           </a:p>
         </p:txBody>
       </p:sp>
@@ -15105,7 +15025,7 @@
       </p:sp>
       <p:pic>
         <p:nvPicPr>
-          <p:cNvPr id="20" name="Picture 19"/>
+          <p:cNvPr id="21" name="Picture 20"/>
           <p:cNvPicPr>
             <a:picLocks noChangeAspect="1"/>
           </p:cNvPicPr>
@@ -15125,38 +15045,8 @@
         </p:blipFill>
         <p:spPr>
           <a:xfrm>
-            <a:off x="30764347" y="14013450"/>
-            <a:ext cx="10665363" cy="7448814"/>
-          </a:xfrm>
-          <a:prstGeom prst="rect">
-            <a:avLst/>
-          </a:prstGeom>
-        </p:spPr>
-      </p:pic>
-      <p:pic>
-        <p:nvPicPr>
-          <p:cNvPr id="21" name="Picture 20"/>
-          <p:cNvPicPr>
-            <a:picLocks noChangeAspect="1"/>
-          </p:cNvPicPr>
-          <p:nvPr/>
-        </p:nvPicPr>
-        <p:blipFill>
-          <a:blip r:embed="rId5">
-            <a:extLst>
-              <a:ext uri="{28A0092B-C50C-407E-A947-70E740481C1C}">
-                <a14:useLocalDpi xmlns:a14="http://schemas.microsoft.com/office/drawing/2010/main" val="0"/>
-              </a:ext>
-            </a:extLst>
-          </a:blip>
-          <a:stretch>
-            <a:fillRect/>
-          </a:stretch>
-        </p:blipFill>
-        <p:spPr>
-          <a:xfrm>
-            <a:off x="1459936" y="11094443"/>
-            <a:ext cx="11303968" cy="8933100"/>
+            <a:off x="1333275" y="11094443"/>
+            <a:ext cx="7327792" cy="6510994"/>
           </a:xfrm>
           <a:prstGeom prst="rect">
             <a:avLst/>
@@ -15171,7 +15061,7 @@
         </p:nvSpPr>
         <p:spPr>
           <a:xfrm>
-            <a:off x="754652" y="20405446"/>
+            <a:off x="754652" y="20826644"/>
             <a:ext cx="6357268" cy="1200329"/>
           </a:xfrm>
           <a:prstGeom prst="rect">
@@ -15202,8 +15092,8 @@
         </p:nvSpPr>
         <p:spPr>
           <a:xfrm>
-            <a:off x="29399542" y="21673383"/>
-            <a:ext cx="8336841" cy="1200329"/>
+            <a:off x="29399542" y="22598179"/>
+            <a:ext cx="12073589" cy="1323439"/>
           </a:xfrm>
           <a:prstGeom prst="rect">
             <a:avLst/>
@@ -15218,10 +15108,10 @@
           <a:p>
             <a:pPr algn="ctr"/>
             <a:r>
-              <a:rPr lang="en-US" sz="7200" dirty="0" smtClean="0"/>
-              <a:t>Landing Pages</a:t>
+              <a:rPr lang="en-US" sz="8000" dirty="0" smtClean="0"/>
+              <a:t>Figure 2: Search Pages</a:t>
             </a:r>
-            <a:endParaRPr lang="en-US" sz="7200" dirty="0"/>
+            <a:endParaRPr lang="en-US" sz="8000" dirty="0"/>
           </a:p>
         </p:txBody>
       </p:sp>
@@ -15234,7 +15124,7 @@
           <p:nvPr/>
         </p:nvPicPr>
         <p:blipFill>
-          <a:blip r:embed="rId6">
+          <a:blip r:embed="rId5">
             <a:extLst>
               <a:ext uri="{28A0092B-C50C-407E-A947-70E740481C1C}">
                 <a14:useLocalDpi xmlns:a14="http://schemas.microsoft.com/office/drawing/2010/main" val="0"/>
@@ -15264,7 +15154,7 @@
           <p:nvPr/>
         </p:nvPicPr>
         <p:blipFill>
-          <a:blip r:embed="rId7">
+          <a:blip r:embed="rId6">
             <a:extLst>
               <a:ext uri="{28A0092B-C50C-407E-A947-70E740481C1C}">
                 <a14:useLocalDpi xmlns:a14="http://schemas.microsoft.com/office/drawing/2010/main" val="0"/>
@@ -15294,6 +15184,36 @@
           <p:nvPr/>
         </p:nvPicPr>
         <p:blipFill>
+          <a:blip r:embed="rId7">
+            <a:extLst>
+              <a:ext uri="{28A0092B-C50C-407E-A947-70E740481C1C}">
+                <a14:useLocalDpi xmlns:a14="http://schemas.microsoft.com/office/drawing/2010/main" val="0"/>
+              </a:ext>
+            </a:extLst>
+          </a:blip>
+          <a:stretch>
+            <a:fillRect/>
+          </a:stretch>
+        </p:blipFill>
+        <p:spPr>
+          <a:xfrm>
+            <a:off x="1459936" y="23895891"/>
+            <a:ext cx="12476515" cy="6546523"/>
+          </a:xfrm>
+          <a:prstGeom prst="rect">
+            <a:avLst/>
+          </a:prstGeom>
+        </p:spPr>
+      </p:pic>
+      <p:pic>
+        <p:nvPicPr>
+          <p:cNvPr id="4" name="Picture 3"/>
+          <p:cNvPicPr>
+            <a:picLocks noChangeAspect="1"/>
+          </p:cNvPicPr>
+          <p:nvPr/>
+        </p:nvPicPr>
+        <p:blipFill>
           <a:blip r:embed="rId8">
             <a:extLst>
               <a:ext uri="{28A0092B-C50C-407E-A947-70E740481C1C}">
@@ -15307,8 +15227,136 @@
         </p:blipFill>
         <p:spPr>
           <a:xfrm>
-            <a:off x="1459936" y="22944929"/>
-            <a:ext cx="12476515" cy="6546523"/>
+            <a:off x="8661067" y="11075103"/>
+            <a:ext cx="5566166" cy="6525205"/>
+          </a:xfrm>
+          <a:prstGeom prst="rect">
+            <a:avLst/>
+          </a:prstGeom>
+        </p:spPr>
+      </p:pic>
+      <p:pic>
+        <p:nvPicPr>
+          <p:cNvPr id="5" name="Picture 4"/>
+          <p:cNvPicPr>
+            <a:picLocks noChangeAspect="1"/>
+          </p:cNvPicPr>
+          <p:nvPr/>
+        </p:nvPicPr>
+        <p:blipFill>
+          <a:blip r:embed="rId9">
+            <a:extLst>
+              <a:ext uri="{28A0092B-C50C-407E-A947-70E740481C1C}">
+                <a14:useLocalDpi xmlns:a14="http://schemas.microsoft.com/office/drawing/2010/main" val="0"/>
+              </a:ext>
+            </a:extLst>
+          </a:blip>
+          <a:stretch>
+            <a:fillRect/>
+          </a:stretch>
+        </p:blipFill>
+        <p:spPr>
+          <a:xfrm>
+            <a:off x="1333274" y="17605437"/>
+            <a:ext cx="7327793" cy="4582219"/>
+          </a:xfrm>
+          <a:prstGeom prst="rect">
+            <a:avLst/>
+          </a:prstGeom>
+        </p:spPr>
+      </p:pic>
+      <p:pic>
+        <p:nvPicPr>
+          <p:cNvPr id="12" name="Picture 11"/>
+          <p:cNvPicPr>
+            <a:picLocks noChangeAspect="1"/>
+          </p:cNvPicPr>
+          <p:nvPr/>
+        </p:nvPicPr>
+        <p:blipFill>
+          <a:blip r:embed="rId10">
+            <a:extLst>
+              <a:ext uri="{28A0092B-C50C-407E-A947-70E740481C1C}">
+                <a14:useLocalDpi xmlns:a14="http://schemas.microsoft.com/office/drawing/2010/main" val="0"/>
+              </a:ext>
+            </a:extLst>
+          </a:blip>
+          <a:stretch>
+            <a:fillRect/>
+          </a:stretch>
+        </p:blipFill>
+        <p:spPr>
+          <a:xfrm>
+            <a:off x="8701912" y="17605437"/>
+            <a:ext cx="5525321" cy="4582219"/>
+          </a:xfrm>
+          <a:prstGeom prst="rect">
+            <a:avLst/>
+          </a:prstGeom>
+        </p:spPr>
+      </p:pic>
+      <p:sp>
+        <p:nvSpPr>
+          <p:cNvPr id="13" name="TextBox 12"/>
+          <p:cNvSpPr txBox="1"/>
+          <p:nvPr/>
+        </p:nvSpPr>
+        <p:spPr>
+          <a:xfrm>
+            <a:off x="1584180" y="22358330"/>
+            <a:ext cx="12476514" cy="1323439"/>
+          </a:xfrm>
+          <a:prstGeom prst="rect">
+            <a:avLst/>
+          </a:prstGeom>
+          <a:noFill/>
+        </p:spPr>
+        <p:txBody>
+          <a:bodyPr wrap="square" rtlCol="0">
+            <a:spAutoFit/>
+          </a:bodyPr>
+          <a:lstStyle/>
+          <a:p>
+            <a:r>
+              <a:rPr lang="en-US" sz="8000" dirty="0" smtClean="0"/>
+              <a:t>Figure 1: </a:t>
+            </a:r>
+            <a:r>
+              <a:rPr lang="en-US" sz="8000" dirty="0" err="1" smtClean="0"/>
+              <a:t>PyQt</a:t>
+            </a:r>
+            <a:r>
+              <a:rPr lang="en-US" sz="8000" dirty="0" smtClean="0"/>
+              <a:t> Page Design</a:t>
+            </a:r>
+            <a:endParaRPr lang="en-US" sz="8000" dirty="0"/>
+          </a:p>
+        </p:txBody>
+      </p:sp>
+      <p:pic>
+        <p:nvPicPr>
+          <p:cNvPr id="22" name="Picture 21"/>
+          <p:cNvPicPr>
+            <a:picLocks noChangeAspect="1"/>
+          </p:cNvPicPr>
+          <p:nvPr/>
+        </p:nvPicPr>
+        <p:blipFill>
+          <a:blip r:embed="rId4">
+            <a:extLst>
+              <a:ext uri="{28A0092B-C50C-407E-A947-70E740481C1C}">
+                <a14:useLocalDpi xmlns:a14="http://schemas.microsoft.com/office/drawing/2010/main" val="0"/>
+              </a:ext>
+            </a:extLst>
+          </a:blip>
+          <a:stretch>
+            <a:fillRect/>
+          </a:stretch>
+        </p:blipFill>
+        <p:spPr>
+          <a:xfrm>
+            <a:off x="30720926" y="13966867"/>
+            <a:ext cx="10752205" cy="8497061"/>
           </a:xfrm>
           <a:prstGeom prst="rect">
             <a:avLst/>
